--- a/deliverables/iteration1/other/DomainModel_SSD_ClassDiagrams.pptx
+++ b/deliverables/iteration1/other/DomainModel_SSD_ClassDiagrams.pptx
@@ -295,7 +295,7 @@
           <a:p>
             <a:fld id="{88B93DA5-74C6-C840-9AC0-21E7E652D512}" type="datetimeFigureOut">
               <a:rPr lang="en-US" smtClean="0"/>
-              <a:t>9/30/14</a:t>
+              <a:t>10/1/14</a:t>
             </a:fld>
             <a:endParaRPr lang="en-US"/>
           </a:p>
@@ -465,7 +465,7 @@
           <a:p>
             <a:fld id="{88B93DA5-74C6-C840-9AC0-21E7E652D512}" type="datetimeFigureOut">
               <a:rPr lang="en-US" smtClean="0"/>
-              <a:t>9/30/14</a:t>
+              <a:t>10/1/14</a:t>
             </a:fld>
             <a:endParaRPr lang="en-US"/>
           </a:p>
@@ -645,7 +645,7 @@
           <a:p>
             <a:fld id="{88B93DA5-74C6-C840-9AC0-21E7E652D512}" type="datetimeFigureOut">
               <a:rPr lang="en-US" smtClean="0"/>
-              <a:t>9/30/14</a:t>
+              <a:t>10/1/14</a:t>
             </a:fld>
             <a:endParaRPr lang="en-US"/>
           </a:p>
@@ -815,7 +815,7 @@
           <a:p>
             <a:fld id="{88B93DA5-74C6-C840-9AC0-21E7E652D512}" type="datetimeFigureOut">
               <a:rPr lang="en-US" smtClean="0"/>
-              <a:t>9/30/14</a:t>
+              <a:t>10/1/14</a:t>
             </a:fld>
             <a:endParaRPr lang="en-US"/>
           </a:p>
@@ -1061,7 +1061,7 @@
           <a:p>
             <a:fld id="{88B93DA5-74C6-C840-9AC0-21E7E652D512}" type="datetimeFigureOut">
               <a:rPr lang="en-US" smtClean="0"/>
-              <a:t>9/30/14</a:t>
+              <a:t>10/1/14</a:t>
             </a:fld>
             <a:endParaRPr lang="en-US"/>
           </a:p>
@@ -1349,7 +1349,7 @@
           <a:p>
             <a:fld id="{88B93DA5-74C6-C840-9AC0-21E7E652D512}" type="datetimeFigureOut">
               <a:rPr lang="en-US" smtClean="0"/>
-              <a:t>9/30/14</a:t>
+              <a:t>10/1/14</a:t>
             </a:fld>
             <a:endParaRPr lang="en-US"/>
           </a:p>
@@ -1771,7 +1771,7 @@
           <a:p>
             <a:fld id="{88B93DA5-74C6-C840-9AC0-21E7E652D512}" type="datetimeFigureOut">
               <a:rPr lang="en-US" smtClean="0"/>
-              <a:t>9/30/14</a:t>
+              <a:t>10/1/14</a:t>
             </a:fld>
             <a:endParaRPr lang="en-US"/>
           </a:p>
@@ -1889,7 +1889,7 @@
           <a:p>
             <a:fld id="{88B93DA5-74C6-C840-9AC0-21E7E652D512}" type="datetimeFigureOut">
               <a:rPr lang="en-US" smtClean="0"/>
-              <a:t>9/30/14</a:t>
+              <a:t>10/1/14</a:t>
             </a:fld>
             <a:endParaRPr lang="en-US"/>
           </a:p>
@@ -1984,7 +1984,7 @@
           <a:p>
             <a:fld id="{88B93DA5-74C6-C840-9AC0-21E7E652D512}" type="datetimeFigureOut">
               <a:rPr lang="en-US" smtClean="0"/>
-              <a:t>9/30/14</a:t>
+              <a:t>10/1/14</a:t>
             </a:fld>
             <a:endParaRPr lang="en-US"/>
           </a:p>
@@ -2261,7 +2261,7 @@
           <a:p>
             <a:fld id="{88B93DA5-74C6-C840-9AC0-21E7E652D512}" type="datetimeFigureOut">
               <a:rPr lang="en-US" smtClean="0"/>
-              <a:t>9/30/14</a:t>
+              <a:t>10/1/14</a:t>
             </a:fld>
             <a:endParaRPr lang="en-US"/>
           </a:p>
@@ -2514,7 +2514,7 @@
           <a:p>
             <a:fld id="{88B93DA5-74C6-C840-9AC0-21E7E652D512}" type="datetimeFigureOut">
               <a:rPr lang="en-US" smtClean="0"/>
-              <a:t>9/30/14</a:t>
+              <a:t>10/1/14</a:t>
             </a:fld>
             <a:endParaRPr lang="en-US"/>
           </a:p>
@@ -2727,7 +2727,7 @@
           <a:p>
             <a:fld id="{88B93DA5-74C6-C840-9AC0-21E7E652D512}" type="datetimeFigureOut">
               <a:rPr lang="en-US" smtClean="0"/>
-              <a:t>9/30/14</a:t>
+              <a:t>10/1/14</a:t>
             </a:fld>
             <a:endParaRPr lang="en-US"/>
           </a:p>
@@ -6589,20 +6589,8 @@
           <a:lstStyle/>
           <a:p>
             <a:r>
-              <a:rPr lang="en-US" dirty="0" err="1" smtClean="0"/>
-              <a:t>SignUp</a:t>
-            </a:r>
-            <a:r>
               <a:rPr lang="en-US" dirty="0" smtClean="0"/>
-              <a:t>(</a:t>
-            </a:r>
-            <a:r>
-              <a:rPr lang="en-US" dirty="0" err="1" smtClean="0"/>
-              <a:t>userName</a:t>
-            </a:r>
-            <a:r>
-              <a:rPr lang="en-US" dirty="0" smtClean="0"/>
-              <a:t>, password1, password2)</a:t>
+              <a:t>SignUp(userName, password1, password2)</a:t>
             </a:r>
             <a:endParaRPr lang="en-US" dirty="0"/>
           </a:p>
@@ -6632,15 +6620,7 @@
           <a:p>
             <a:r>
               <a:rPr lang="en-US" dirty="0" smtClean="0"/>
-              <a:t>error: please include an @ symbol in </a:t>
-            </a:r>
-            <a:r>
-              <a:rPr lang="en-US" dirty="0" err="1" smtClean="0"/>
-              <a:t>userName</a:t>
-            </a:r>
-            <a:r>
-              <a:rPr lang="en-US" dirty="0" smtClean="0"/>
-              <a:t> </a:t>
+              <a:t>error: please include an @ symbol in userName </a:t>
             </a:r>
             <a:endParaRPr lang="en-US" dirty="0"/>
           </a:p>
@@ -6669,20 +6649,8 @@
           <a:lstStyle/>
           <a:p>
             <a:r>
-              <a:rPr lang="en-US" dirty="0" err="1" smtClean="0"/>
-              <a:t>SignUp</a:t>
-            </a:r>
-            <a:r>
               <a:rPr lang="en-US" dirty="0" smtClean="0"/>
-              <a:t>(</a:t>
-            </a:r>
-            <a:r>
-              <a:rPr lang="en-US" dirty="0" err="1" smtClean="0"/>
-              <a:t>userName</a:t>
-            </a:r>
-            <a:r>
-              <a:rPr lang="en-US" dirty="0" smtClean="0"/>
-              <a:t>, password1, password2)</a:t>
+              <a:t>SignUp(userName, password1, password2)</a:t>
             </a:r>
             <a:endParaRPr lang="en-US" dirty="0"/>
           </a:p>
@@ -6711,7 +6679,7 @@
           <a:lstStyle/>
           <a:p>
             <a:r>
-              <a:rPr lang="en-US" dirty="0" err="1" smtClean="0"/>
+              <a:rPr lang="en-US" dirty="0" smtClean="0"/>
               <a:t>userName</a:t>
             </a:r>
             <a:endParaRPr lang="en-US" dirty="0"/>
@@ -8311,7 +8279,6 @@
               <a:rPr lang="en-US" dirty="0" smtClean="0"/>
               <a:t>, Latitude, Longitude, </a:t>
             </a:r>
-            <a:endParaRPr lang="en-US" dirty="0" smtClean="0"/>
           </a:p>
           <a:p>
             <a:r>
@@ -10199,7 +10166,6 @@
               <a:rPr lang="en-US" dirty="0" smtClean="0"/>
               <a:t>, Latitude, Longitude, </a:t>
             </a:r>
-            <a:endParaRPr lang="en-US" dirty="0" smtClean="0"/>
           </a:p>
           <a:p>
             <a:r>
@@ -12036,20 +12002,8 @@
           <a:lstStyle/>
           <a:p>
             <a:r>
-              <a:rPr lang="en-US" dirty="0" err="1" smtClean="0"/>
-              <a:t>SignIn</a:t>
-            </a:r>
-            <a:r>
               <a:rPr lang="en-US" dirty="0" smtClean="0"/>
-              <a:t>(</a:t>
-            </a:r>
-            <a:r>
-              <a:rPr lang="en-US" dirty="0" err="1" smtClean="0"/>
-              <a:t>userName</a:t>
-            </a:r>
-            <a:r>
-              <a:rPr lang="en-US" dirty="0" smtClean="0"/>
-              <a:t>, password)</a:t>
+              <a:t>SignIn(userName, password)</a:t>
             </a:r>
             <a:endParaRPr lang="en-US" dirty="0"/>
           </a:p>
@@ -12078,7 +12032,7 @@
           <a:lstStyle/>
           <a:p>
             <a:r>
-              <a:rPr lang="en-US" dirty="0" err="1" smtClean="0"/>
+              <a:rPr lang="en-US" dirty="0" smtClean="0"/>
               <a:t>userName</a:t>
             </a:r>
             <a:endParaRPr lang="en-US" dirty="0"/>
@@ -13623,12 +13577,8 @@
           <a:lstStyle/>
           <a:p>
             <a:r>
-              <a:rPr lang="en-US" dirty="0" err="1" smtClean="0"/>
-              <a:t>SignOut</a:t>
-            </a:r>
-            <a:r>
               <a:rPr lang="en-US" dirty="0" smtClean="0"/>
-              <a:t>()</a:t>
+              <a:t>SignOut()</a:t>
             </a:r>
             <a:endParaRPr lang="en-US" dirty="0"/>
           </a:p>
@@ -13657,7 +13607,7 @@
           <a:lstStyle/>
           <a:p>
             <a:r>
-              <a:rPr lang="en-US" dirty="0" err="1" smtClean="0"/>
+              <a:rPr lang="en-US" dirty="0" smtClean="0"/>
               <a:t>userName</a:t>
             </a:r>
             <a:endParaRPr lang="en-US" dirty="0"/>
@@ -13729,7 +13679,7 @@
           <a:lstStyle/>
           <a:p>
             <a:r>
-              <a:rPr lang="en-US" dirty="0" err="1" smtClean="0">
+              <a:rPr lang="en-US" dirty="0" smtClean="0">
                 <a:ln>
                   <a:solidFill>
                     <a:srgbClr val="000000"/>
@@ -13738,6 +13688,8 @@
               </a:rPr>
               <a:t>SignIn</a:t>
             </a:r>
+          </a:p>
+          <a:p>
             <a:endParaRPr lang="en-US" dirty="0" smtClean="0">
               <a:ln>
                 <a:solidFill>
@@ -13747,15 +13699,6 @@
             </a:endParaRPr>
           </a:p>
           <a:p>
-            <a:endParaRPr lang="en-US" dirty="0" smtClean="0">
-              <a:ln>
-                <a:solidFill>
-                  <a:srgbClr val="000000"/>
-                </a:solidFill>
-              </a:ln>
-            </a:endParaRPr>
-          </a:p>
-          <a:p>
             <a:r>
               <a:rPr lang="en-US" dirty="0" smtClean="0">
                 <a:ln>
@@ -13764,17 +13707,7 @@
                   </a:solidFill>
                 </a:ln>
               </a:rPr>
-              <a:t>String </a:t>
-            </a:r>
-            <a:r>
-              <a:rPr lang="en-US" dirty="0" err="1" smtClean="0">
-                <a:ln>
-                  <a:solidFill>
-                    <a:srgbClr val="000000"/>
-                  </a:solidFill>
-                </a:ln>
-              </a:rPr>
-              <a:t>userName</a:t>
+              <a:t>String userName</a:t>
             </a:r>
             <a:endParaRPr lang="en-US" dirty="0">
               <a:ln>
@@ -13814,16 +13747,6 @@
           </a:p>
           <a:p>
             <a:r>
-              <a:rPr lang="en-US" dirty="0" err="1" smtClean="0">
-                <a:ln>
-                  <a:solidFill>
-                    <a:srgbClr val="000000"/>
-                  </a:solidFill>
-                </a:ln>
-              </a:rPr>
-              <a:t>SignIn</a:t>
-            </a:r>
-            <a:r>
               <a:rPr lang="en-US" dirty="0" smtClean="0">
                 <a:ln>
                   <a:solidFill>
@@ -13831,37 +13754,7 @@
                   </a:solidFill>
                 </a:ln>
               </a:rPr>
-              <a:t>(</a:t>
-            </a:r>
-            <a:r>
-              <a:rPr lang="en-US" dirty="0" err="1" smtClean="0">
-                <a:ln>
-                  <a:solidFill>
-                    <a:srgbClr val="000000"/>
-                  </a:solidFill>
-                </a:ln>
-              </a:rPr>
-              <a:t>userName</a:t>
-            </a:r>
-            <a:r>
-              <a:rPr lang="en-US" dirty="0" smtClean="0">
-                <a:ln>
-                  <a:solidFill>
-                    <a:srgbClr val="000000"/>
-                  </a:solidFill>
-                </a:ln>
-              </a:rPr>
-              <a:t>, password) : </a:t>
-            </a:r>
-            <a:r>
-              <a:rPr lang="en-US" dirty="0" err="1" smtClean="0">
-                <a:ln>
-                  <a:solidFill>
-                    <a:srgbClr val="000000"/>
-                  </a:solidFill>
-                </a:ln>
-              </a:rPr>
-              <a:t>userName</a:t>
+              <a:t>SignIn(userName, password) : userName</a:t>
             </a:r>
             <a:endParaRPr lang="en-US" dirty="0">
               <a:ln>
@@ -14036,7 +13929,7 @@
           <a:lstStyle/>
           <a:p>
             <a:r>
-              <a:rPr lang="en-US" dirty="0" err="1" smtClean="0">
+              <a:rPr lang="en-US" dirty="0" smtClean="0">
                 <a:ln>
                   <a:solidFill>
                     <a:srgbClr val="000000"/>
@@ -14045,6 +13938,8 @@
               </a:rPr>
               <a:t>SignOut</a:t>
             </a:r>
+          </a:p>
+          <a:p>
             <a:endParaRPr lang="en-US" dirty="0" smtClean="0">
               <a:ln>
                 <a:solidFill>
@@ -14054,15 +13949,6 @@
             </a:endParaRPr>
           </a:p>
           <a:p>
-            <a:endParaRPr lang="en-US" dirty="0" smtClean="0">
-              <a:ln>
-                <a:solidFill>
-                  <a:srgbClr val="000000"/>
-                </a:solidFill>
-              </a:ln>
-            </a:endParaRPr>
-          </a:p>
-          <a:p>
             <a:r>
               <a:rPr lang="en-US" dirty="0" smtClean="0">
                 <a:ln>
@@ -14071,17 +13957,7 @@
                   </a:solidFill>
                 </a:ln>
               </a:rPr>
-              <a:t>String </a:t>
-            </a:r>
-            <a:r>
-              <a:rPr lang="en-US" dirty="0" err="1" smtClean="0">
-                <a:ln>
-                  <a:solidFill>
-                    <a:srgbClr val="000000"/>
-                  </a:solidFill>
-                </a:ln>
-              </a:rPr>
-              <a:t>userName</a:t>
+              <a:t>String userName</a:t>
             </a:r>
             <a:endParaRPr lang="en-US" dirty="0">
               <a:ln>
@@ -14121,16 +13997,6 @@
           </a:p>
           <a:p>
             <a:r>
-              <a:rPr lang="en-US" dirty="0" err="1" smtClean="0">
-                <a:ln>
-                  <a:solidFill>
-                    <a:srgbClr val="000000"/>
-                  </a:solidFill>
-                </a:ln>
-              </a:rPr>
-              <a:t>SignOut</a:t>
-            </a:r>
-            <a:r>
               <a:rPr lang="en-US" dirty="0" smtClean="0">
                 <a:ln>
                   <a:solidFill>
@@ -14138,7 +14004,7 @@
                   </a:solidFill>
                 </a:ln>
               </a:rPr>
-              <a:t>()</a:t>
+              <a:t>SignOut()</a:t>
             </a:r>
             <a:endParaRPr lang="en-US" dirty="0">
               <a:ln>
@@ -14247,7 +14113,7 @@
           <a:lstStyle/>
           <a:p>
             <a:r>
-              <a:rPr lang="en-US" dirty="0" err="1" smtClean="0">
+              <a:rPr lang="en-US" dirty="0" smtClean="0">
                 <a:ln>
                   <a:solidFill>
                     <a:srgbClr val="000000"/>
@@ -14256,6 +14122,8 @@
               </a:rPr>
               <a:t>SignUp</a:t>
             </a:r>
+          </a:p>
+          <a:p>
             <a:endParaRPr lang="en-US" dirty="0" smtClean="0">
               <a:ln>
                 <a:solidFill>
@@ -14265,15 +14133,6 @@
             </a:endParaRPr>
           </a:p>
           <a:p>
-            <a:endParaRPr lang="en-US" dirty="0" smtClean="0">
-              <a:ln>
-                <a:solidFill>
-                  <a:srgbClr val="000000"/>
-                </a:solidFill>
-              </a:ln>
-            </a:endParaRPr>
-          </a:p>
-          <a:p>
             <a:r>
               <a:rPr lang="en-US" dirty="0" smtClean="0">
                 <a:ln>
@@ -14282,17 +14141,7 @@
                   </a:solidFill>
                 </a:ln>
               </a:rPr>
-              <a:t>String </a:t>
-            </a:r>
-            <a:r>
-              <a:rPr lang="en-US" dirty="0" err="1" smtClean="0">
-                <a:ln>
-                  <a:solidFill>
-                    <a:srgbClr val="000000"/>
-                  </a:solidFill>
-                </a:ln>
-              </a:rPr>
-              <a:t>userName</a:t>
+              <a:t>String userName</a:t>
             </a:r>
             <a:endParaRPr lang="en-US" dirty="0">
               <a:ln>
@@ -14328,16 +14177,6 @@
           </a:p>
           <a:p>
             <a:r>
-              <a:rPr lang="en-US" dirty="0" err="1" smtClean="0">
-                <a:ln>
-                  <a:solidFill>
-                    <a:srgbClr val="000000"/>
-                  </a:solidFill>
-                </a:ln>
-              </a:rPr>
-              <a:t>Int</a:t>
-            </a:r>
-            <a:r>
               <a:rPr lang="en-US" dirty="0" smtClean="0">
                 <a:ln>
                   <a:solidFill>
@@ -14345,18 +14184,29 @@
                   </a:solidFill>
                 </a:ln>
               </a:rPr>
-              <a:t> </a:t>
-            </a:r>
-            <a:r>
-              <a:rPr lang="en-US" dirty="0" err="1" smtClean="0">
+              <a:t>Int passwordLength</a:t>
+            </a:r>
+          </a:p>
+          <a:p>
+            <a:r>
+              <a:rPr lang="en-US" dirty="0" smtClean="0">
                 <a:ln>
                   <a:solidFill>
                     <a:srgbClr val="000000"/>
                   </a:solidFill>
                 </a:ln>
               </a:rPr>
-              <a:t>passwordLength</a:t>
-            </a:r>
+              <a:t>Bool atLeastOneDigit</a:t>
+            </a:r>
+            <a:endParaRPr lang="en-US" dirty="0">
+              <a:ln>
+                <a:solidFill>
+                  <a:srgbClr val="000000"/>
+                </a:solidFill>
+              </a:ln>
+            </a:endParaRPr>
+          </a:p>
+          <a:p>
             <a:endParaRPr lang="en-US" dirty="0" smtClean="0">
               <a:ln>
                 <a:solidFill>
@@ -14367,16 +14217,6 @@
           </a:p>
           <a:p>
             <a:r>
-              <a:rPr lang="en-US" dirty="0" err="1" smtClean="0">
-                <a:ln>
-                  <a:solidFill>
-                    <a:srgbClr val="000000"/>
-                  </a:solidFill>
-                </a:ln>
-              </a:rPr>
-              <a:t>Bool</a:t>
-            </a:r>
-            <a:r>
               <a:rPr lang="en-US" dirty="0" smtClean="0">
                 <a:ln>
                   <a:solidFill>
@@ -14384,17 +14224,7 @@
                   </a:solidFill>
                 </a:ln>
               </a:rPr>
-              <a:t> </a:t>
-            </a:r>
-            <a:r>
-              <a:rPr lang="en-US" dirty="0" err="1" smtClean="0">
-                <a:ln>
-                  <a:solidFill>
-                    <a:srgbClr val="000000"/>
-                  </a:solidFill>
-                </a:ln>
-              </a:rPr>
-              <a:t>atLeastOneDigit</a:t>
+              <a:t>SignUp(userName, password1, password2) : userName</a:t>
             </a:r>
             <a:endParaRPr lang="en-US" dirty="0">
               <a:ln>
@@ -14405,6 +14235,115 @@
             </a:endParaRPr>
           </a:p>
           <a:p>
+            <a:endParaRPr lang="en-US" dirty="0">
+              <a:ln>
+                <a:solidFill>
+                  <a:srgbClr val="000000"/>
+                </a:solidFill>
+              </a:ln>
+            </a:endParaRPr>
+          </a:p>
+        </p:txBody>
+      </p:sp>
+      <p:cxnSp>
+        <p:nvCxnSpPr>
+          <p:cNvPr id="43" name="Straight Connector 42"/>
+          <p:cNvCxnSpPr/>
+          <p:nvPr/>
+        </p:nvCxnSpPr>
+        <p:spPr>
+          <a:xfrm>
+            <a:off x="294298" y="4289580"/>
+            <a:ext cx="5375081" cy="0"/>
+          </a:xfrm>
+          <a:prstGeom prst="line">
+            <a:avLst/>
+          </a:prstGeom>
+        </p:spPr>
+        <p:style>
+          <a:lnRef idx="2">
+            <a:schemeClr val="accent1"/>
+          </a:lnRef>
+          <a:fillRef idx="0">
+            <a:schemeClr val="accent1"/>
+          </a:fillRef>
+          <a:effectRef idx="1">
+            <a:schemeClr val="accent1"/>
+          </a:effectRef>
+          <a:fontRef idx="minor">
+            <a:schemeClr val="tx1"/>
+          </a:fontRef>
+        </p:style>
+      </p:cxnSp>
+      <p:cxnSp>
+        <p:nvCxnSpPr>
+          <p:cNvPr id="44" name="Straight Connector 43"/>
+          <p:cNvCxnSpPr/>
+          <p:nvPr/>
+        </p:nvCxnSpPr>
+        <p:spPr>
+          <a:xfrm flipV="1">
+            <a:off x="294298" y="5793768"/>
+            <a:ext cx="5375081" cy="26188"/>
+          </a:xfrm>
+          <a:prstGeom prst="line">
+            <a:avLst/>
+          </a:prstGeom>
+        </p:spPr>
+        <p:style>
+          <a:lnRef idx="2">
+            <a:schemeClr val="accent1"/>
+          </a:lnRef>
+          <a:fillRef idx="0">
+            <a:schemeClr val="accent1"/>
+          </a:fillRef>
+          <a:effectRef idx="1">
+            <a:schemeClr val="accent1"/>
+          </a:effectRef>
+          <a:fontRef idx="minor">
+            <a:schemeClr val="tx1"/>
+          </a:fontRef>
+        </p:style>
+      </p:cxnSp>
+      <p:sp>
+        <p:nvSpPr>
+          <p:cNvPr id="52" name="TextBox 51"/>
+          <p:cNvSpPr txBox="1"/>
+          <p:nvPr/>
+        </p:nvSpPr>
+        <p:spPr>
+          <a:xfrm>
+            <a:off x="6122921" y="4133799"/>
+            <a:ext cx="2130546" cy="1754327"/>
+          </a:xfrm>
+          <a:prstGeom prst="rect">
+            <a:avLst/>
+          </a:prstGeom>
+          <a:noFill/>
+          <a:ln>
+            <a:solidFill>
+              <a:srgbClr val="4F81BD"/>
+            </a:solidFill>
+          </a:ln>
+        </p:spPr>
+        <p:txBody>
+          <a:bodyPr wrap="square" rtlCol="0">
+            <a:spAutoFit/>
+          </a:bodyPr>
+          <a:lstStyle/>
+          <a:p>
+            <a:r>
+              <a:rPr lang="en-US" dirty="0" smtClean="0">
+                <a:ln>
+                  <a:solidFill>
+                    <a:srgbClr val="000000"/>
+                  </a:solidFill>
+                </a:ln>
+              </a:rPr>
+              <a:t>ForgotPassword</a:t>
+            </a:r>
+          </a:p>
+          <a:p>
             <a:endParaRPr lang="en-US" dirty="0" smtClean="0">
               <a:ln>
                 <a:solidFill>
@@ -14415,16 +14354,6 @@
           </a:p>
           <a:p>
             <a:r>
-              <a:rPr lang="en-US" dirty="0" err="1" smtClean="0">
-                <a:ln>
-                  <a:solidFill>
-                    <a:srgbClr val="000000"/>
-                  </a:solidFill>
-                </a:ln>
-              </a:rPr>
-              <a:t>SignUp</a:t>
-            </a:r>
-            <a:r>
               <a:rPr lang="en-US" dirty="0" smtClean="0">
                 <a:ln>
                   <a:solidFill>
@@ -14432,18 +14361,19 @@
                   </a:solidFill>
                 </a:ln>
               </a:rPr>
-              <a:t>(</a:t>
-            </a:r>
-            <a:r>
-              <a:rPr lang="en-US" dirty="0" err="1" smtClean="0">
-                <a:ln>
-                  <a:solidFill>
-                    <a:srgbClr val="000000"/>
-                  </a:solidFill>
-                </a:ln>
-              </a:rPr>
-              <a:t>userName</a:t>
-            </a:r>
+              <a:t>String userName</a:t>
+            </a:r>
+          </a:p>
+          <a:p>
+            <a:endParaRPr lang="en-US" dirty="0" smtClean="0">
+              <a:ln>
+                <a:solidFill>
+                  <a:srgbClr val="000000"/>
+                </a:solidFill>
+              </a:ln>
+            </a:endParaRPr>
+          </a:p>
+          <a:p>
             <a:r>
               <a:rPr lang="en-US" dirty="0" smtClean="0">
                 <a:ln>
@@ -14452,209 +14382,7 @@
                   </a:solidFill>
                 </a:ln>
               </a:rPr>
-              <a:t>, password1, password2) : </a:t>
-            </a:r>
-            <a:r>
-              <a:rPr lang="en-US" dirty="0" err="1" smtClean="0">
-                <a:ln>
-                  <a:solidFill>
-                    <a:srgbClr val="000000"/>
-                  </a:solidFill>
-                </a:ln>
-              </a:rPr>
-              <a:t>userName</a:t>
-            </a:r>
-            <a:endParaRPr lang="en-US" dirty="0">
-              <a:ln>
-                <a:solidFill>
-                  <a:srgbClr val="000000"/>
-                </a:solidFill>
-              </a:ln>
-            </a:endParaRPr>
-          </a:p>
-          <a:p>
-            <a:endParaRPr lang="en-US" dirty="0">
-              <a:ln>
-                <a:solidFill>
-                  <a:srgbClr val="000000"/>
-                </a:solidFill>
-              </a:ln>
-            </a:endParaRPr>
-          </a:p>
-        </p:txBody>
-      </p:sp>
-      <p:cxnSp>
-        <p:nvCxnSpPr>
-          <p:cNvPr id="43" name="Straight Connector 42"/>
-          <p:cNvCxnSpPr/>
-          <p:nvPr/>
-        </p:nvCxnSpPr>
-        <p:spPr>
-          <a:xfrm>
-            <a:off x="294298" y="4289580"/>
-            <a:ext cx="5375081" cy="0"/>
-          </a:xfrm>
-          <a:prstGeom prst="line">
-            <a:avLst/>
-          </a:prstGeom>
-        </p:spPr>
-        <p:style>
-          <a:lnRef idx="2">
-            <a:schemeClr val="accent1"/>
-          </a:lnRef>
-          <a:fillRef idx="0">
-            <a:schemeClr val="accent1"/>
-          </a:fillRef>
-          <a:effectRef idx="1">
-            <a:schemeClr val="accent1"/>
-          </a:effectRef>
-          <a:fontRef idx="minor">
-            <a:schemeClr val="tx1"/>
-          </a:fontRef>
-        </p:style>
-      </p:cxnSp>
-      <p:cxnSp>
-        <p:nvCxnSpPr>
-          <p:cNvPr id="44" name="Straight Connector 43"/>
-          <p:cNvCxnSpPr/>
-          <p:nvPr/>
-        </p:nvCxnSpPr>
-        <p:spPr>
-          <a:xfrm flipV="1">
-            <a:off x="294298" y="5793768"/>
-            <a:ext cx="5375081" cy="26188"/>
-          </a:xfrm>
-          <a:prstGeom prst="line">
-            <a:avLst/>
-          </a:prstGeom>
-        </p:spPr>
-        <p:style>
-          <a:lnRef idx="2">
-            <a:schemeClr val="accent1"/>
-          </a:lnRef>
-          <a:fillRef idx="0">
-            <a:schemeClr val="accent1"/>
-          </a:fillRef>
-          <a:effectRef idx="1">
-            <a:schemeClr val="accent1"/>
-          </a:effectRef>
-          <a:fontRef idx="minor">
-            <a:schemeClr val="tx1"/>
-          </a:fontRef>
-        </p:style>
-      </p:cxnSp>
-      <p:sp>
-        <p:nvSpPr>
-          <p:cNvPr id="52" name="TextBox 51"/>
-          <p:cNvSpPr txBox="1"/>
-          <p:nvPr/>
-        </p:nvSpPr>
-        <p:spPr>
-          <a:xfrm>
-            <a:off x="6122921" y="4133799"/>
-            <a:ext cx="2130546" cy="1754327"/>
-          </a:xfrm>
-          <a:prstGeom prst="rect">
-            <a:avLst/>
-          </a:prstGeom>
-          <a:noFill/>
-          <a:ln>
-            <a:solidFill>
-              <a:srgbClr val="4F81BD"/>
-            </a:solidFill>
-          </a:ln>
-        </p:spPr>
-        <p:txBody>
-          <a:bodyPr wrap="square" rtlCol="0">
-            <a:spAutoFit/>
-          </a:bodyPr>
-          <a:lstStyle/>
-          <a:p>
-            <a:r>
-              <a:rPr lang="en-US" dirty="0" err="1" smtClean="0">
-                <a:ln>
-                  <a:solidFill>
-                    <a:srgbClr val="000000"/>
-                  </a:solidFill>
-                </a:ln>
-              </a:rPr>
-              <a:t>ForgotPassword</a:t>
-            </a:r>
-            <a:endParaRPr lang="en-US" dirty="0" smtClean="0">
-              <a:ln>
-                <a:solidFill>
-                  <a:srgbClr val="000000"/>
-                </a:solidFill>
-              </a:ln>
-            </a:endParaRPr>
-          </a:p>
-          <a:p>
-            <a:endParaRPr lang="en-US" dirty="0" smtClean="0">
-              <a:ln>
-                <a:solidFill>
-                  <a:srgbClr val="000000"/>
-                </a:solidFill>
-              </a:ln>
-            </a:endParaRPr>
-          </a:p>
-          <a:p>
-            <a:r>
-              <a:rPr lang="en-US" dirty="0" smtClean="0">
-                <a:ln>
-                  <a:solidFill>
-                    <a:srgbClr val="000000"/>
-                  </a:solidFill>
-                </a:ln>
-              </a:rPr>
-              <a:t>String </a:t>
-            </a:r>
-            <a:r>
-              <a:rPr lang="en-US" dirty="0" err="1" smtClean="0">
-                <a:ln>
-                  <a:solidFill>
-                    <a:srgbClr val="000000"/>
-                  </a:solidFill>
-                </a:ln>
-              </a:rPr>
-              <a:t>userName</a:t>
-            </a:r>
-            <a:endParaRPr lang="en-US" dirty="0" smtClean="0">
-              <a:ln>
-                <a:solidFill>
-                  <a:srgbClr val="000000"/>
-                </a:solidFill>
-              </a:ln>
-            </a:endParaRPr>
-          </a:p>
-          <a:p>
-            <a:endParaRPr lang="en-US" dirty="0" smtClean="0">
-              <a:ln>
-                <a:solidFill>
-                  <a:srgbClr val="000000"/>
-                </a:solidFill>
-              </a:ln>
-            </a:endParaRPr>
-          </a:p>
-          <a:p>
-            <a:r>
-              <a:rPr lang="en-US" dirty="0" err="1" smtClean="0">
-                <a:ln>
-                  <a:solidFill>
-                    <a:srgbClr val="000000"/>
-                  </a:solidFill>
-                </a:ln>
-              </a:rPr>
-              <a:t>ForgotPassword</a:t>
-            </a:r>
-            <a:r>
-              <a:rPr lang="en-US" dirty="0" smtClean="0">
-                <a:ln>
-                  <a:solidFill>
-                    <a:srgbClr val="000000"/>
-                  </a:solidFill>
-                </a:ln>
-              </a:rPr>
-              <a:t>()</a:t>
+              <a:t>ForgotPassword()</a:t>
             </a:r>
             <a:endParaRPr lang="en-US" dirty="0">
               <a:ln>
@@ -14772,122 +14500,6 @@
           <a:chExt cx="0" cy="0"/>
         </a:xfrm>
       </p:grpSpPr>
-      <p:sp>
-        <p:nvSpPr>
-          <p:cNvPr id="21" name="TextBox 20"/>
-          <p:cNvSpPr txBox="1"/>
-          <p:nvPr/>
-        </p:nvSpPr>
-        <p:spPr>
-          <a:xfrm>
-            <a:off x="1820204" y="2100738"/>
-            <a:ext cx="1083891" cy="1477328"/>
-          </a:xfrm>
-          <a:prstGeom prst="rect">
-            <a:avLst/>
-          </a:prstGeom>
-          <a:noFill/>
-          <a:ln>
-            <a:solidFill>
-              <a:srgbClr val="4F81BD"/>
-            </a:solidFill>
-          </a:ln>
-        </p:spPr>
-        <p:txBody>
-          <a:bodyPr wrap="square" rtlCol="0">
-            <a:spAutoFit/>
-          </a:bodyPr>
-          <a:lstStyle/>
-          <a:p>
-            <a:r>
-              <a:rPr lang="en-US" dirty="0" smtClean="0">
-                <a:ln>
-                  <a:solidFill>
-                    <a:srgbClr val="000000"/>
-                  </a:solidFill>
-                </a:ln>
-              </a:rPr>
-              <a:t>Main</a:t>
-            </a:r>
-          </a:p>
-          <a:p>
-            <a:endParaRPr lang="en-US" dirty="0" smtClean="0">
-              <a:ln>
-                <a:solidFill>
-                  <a:srgbClr val="000000"/>
-                </a:solidFill>
-              </a:ln>
-            </a:endParaRPr>
-          </a:p>
-          <a:p>
-            <a:endParaRPr lang="en-US" dirty="0" smtClean="0">
-              <a:ln>
-                <a:solidFill>
-                  <a:srgbClr val="000000"/>
-                </a:solidFill>
-              </a:ln>
-            </a:endParaRPr>
-          </a:p>
-          <a:p>
-            <a:r>
-              <a:rPr lang="en-US" dirty="0" smtClean="0">
-                <a:ln>
-                  <a:solidFill>
-                    <a:srgbClr val="000000"/>
-                  </a:solidFill>
-                </a:ln>
-              </a:rPr>
-              <a:t>Main()</a:t>
-            </a:r>
-            <a:endParaRPr lang="en-US" dirty="0">
-              <a:ln>
-                <a:solidFill>
-                  <a:srgbClr val="000000"/>
-                </a:solidFill>
-              </a:ln>
-            </a:endParaRPr>
-          </a:p>
-          <a:p>
-            <a:endParaRPr lang="en-US" dirty="0">
-              <a:ln>
-                <a:solidFill>
-                  <a:srgbClr val="000000"/>
-                </a:solidFill>
-              </a:ln>
-            </a:endParaRPr>
-          </a:p>
-        </p:txBody>
-      </p:sp>
-      <p:cxnSp>
-        <p:nvCxnSpPr>
-          <p:cNvPr id="22" name="Straight Connector 21"/>
-          <p:cNvCxnSpPr/>
-          <p:nvPr/>
-        </p:nvCxnSpPr>
-        <p:spPr>
-          <a:xfrm>
-            <a:off x="1820205" y="2597369"/>
-            <a:ext cx="1083890" cy="0"/>
-          </a:xfrm>
-          <a:prstGeom prst="line">
-            <a:avLst/>
-          </a:prstGeom>
-        </p:spPr>
-        <p:style>
-          <a:lnRef idx="2">
-            <a:schemeClr val="accent1"/>
-          </a:lnRef>
-          <a:fillRef idx="0">
-            <a:schemeClr val="accent1"/>
-          </a:fillRef>
-          <a:effectRef idx="1">
-            <a:schemeClr val="accent1"/>
-          </a:effectRef>
-          <a:fontRef idx="minor">
-            <a:schemeClr val="tx1"/>
-          </a:fontRef>
-        </p:style>
-      </p:cxnSp>
       <p:sp>
         <p:nvSpPr>
           <p:cNvPr id="62" name="TextBox 61"/>
